--- a/ppt 16-9/0529.速开心门.pptx
+++ b/ppt 16-9/0529.速开心门.pptx
@@ -129,7 +129,7 @@
           <p:cNvPr id="2" name="标题 1">
             <a:extLst>
               <a:ext uri="{FF2B5EF4-FFF2-40B4-BE49-F238E27FC236}">
-                <a16:creationId xmlns:a16="http://schemas.microsoft.com/office/drawing/2014/main" id="{9797BB07-8848-65AB-4BF1-393257EE6F78}"/>
+                <a16:creationId xmlns:a16="http://schemas.microsoft.com/office/drawing/2014/main" id="{3E8FB243-B924-B3EA-5F69-43C949EDEB52}"/>
               </a:ext>
             </a:extLst>
           </p:cNvPr>
@@ -166,7 +166,7 @@
           <p:cNvPr id="3" name="副标题 2">
             <a:extLst>
               <a:ext uri="{FF2B5EF4-FFF2-40B4-BE49-F238E27FC236}">
-                <a16:creationId xmlns:a16="http://schemas.microsoft.com/office/drawing/2014/main" id="{1FDB8143-D5C5-1CEC-9730-58CAEEEF1216}"/>
+                <a16:creationId xmlns:a16="http://schemas.microsoft.com/office/drawing/2014/main" id="{1EEE971C-80B7-D15F-5A3A-93CB7FA4A543}"/>
               </a:ext>
             </a:extLst>
           </p:cNvPr>
@@ -236,7 +236,7 @@
           <p:cNvPr id="4" name="日期占位符 3">
             <a:extLst>
               <a:ext uri="{FF2B5EF4-FFF2-40B4-BE49-F238E27FC236}">
-                <a16:creationId xmlns:a16="http://schemas.microsoft.com/office/drawing/2014/main" id="{CE0A2F19-816B-38F2-9CA0-F5334A4E24AB}"/>
+                <a16:creationId xmlns:a16="http://schemas.microsoft.com/office/drawing/2014/main" id="{147CC0BA-DF06-6371-139A-B9E12ADA387D}"/>
               </a:ext>
             </a:extLst>
           </p:cNvPr>
@@ -252,7 +252,7 @@
           <a:bodyPr/>
           <a:lstStyle/>
           <a:p>
-            <a:fld id="{80FCC475-ADA5-47FF-9DA8-CE7DD92B87C5}" type="datetimeFigureOut">
+            <a:fld id="{44BD9D63-1AE2-4EA2-B5D8-D39FEA1E812A}" type="datetimeFigureOut">
               <a:rPr lang="zh-CN" altLang="en-US" smtClean="0"/>
               <a:t>2024/3/10</a:t>
             </a:fld>
@@ -265,7 +265,7 @@
           <p:cNvPr id="5" name="页脚占位符 4">
             <a:extLst>
               <a:ext uri="{FF2B5EF4-FFF2-40B4-BE49-F238E27FC236}">
-                <a16:creationId xmlns:a16="http://schemas.microsoft.com/office/drawing/2014/main" id="{816866FC-41FA-DA0A-F436-695CDFF07499}"/>
+                <a16:creationId xmlns:a16="http://schemas.microsoft.com/office/drawing/2014/main" id="{EDA25470-833B-E839-EBF1-CC0073BE1441}"/>
               </a:ext>
             </a:extLst>
           </p:cNvPr>
@@ -290,7 +290,7 @@
           <p:cNvPr id="6" name="灯片编号占位符 5">
             <a:extLst>
               <a:ext uri="{FF2B5EF4-FFF2-40B4-BE49-F238E27FC236}">
-                <a16:creationId xmlns:a16="http://schemas.microsoft.com/office/drawing/2014/main" id="{45CBC718-EF79-41BB-5B19-4F4D200FB603}"/>
+                <a16:creationId xmlns:a16="http://schemas.microsoft.com/office/drawing/2014/main" id="{24F1470E-6BD1-E0B3-EE81-32D7633A4ACA}"/>
               </a:ext>
             </a:extLst>
           </p:cNvPr>
@@ -306,7 +306,7 @@
           <a:bodyPr/>
           <a:lstStyle/>
           <a:p>
-            <a:fld id="{3D32475A-2629-4EC6-A9D5-F416432FA085}" type="slidenum">
+            <a:fld id="{ADF8E443-1A62-4073-99D6-737F20D3A126}" type="slidenum">
               <a:rPr lang="zh-CN" altLang="en-US" smtClean="0"/>
               <a:t>‹#›</a:t>
             </a:fld>
@@ -317,7 +317,7 @@
     </p:spTree>
     <p:extLst>
       <p:ext uri="{BB962C8B-B14F-4D97-AF65-F5344CB8AC3E}">
-        <p14:creationId xmlns:p14="http://schemas.microsoft.com/office/powerpoint/2010/main" val="4217342553"/>
+        <p14:creationId xmlns:p14="http://schemas.microsoft.com/office/powerpoint/2010/main" val="2884336326"/>
       </p:ext>
     </p:extLst>
   </p:cSld>
@@ -349,7 +349,7 @@
           <p:cNvPr id="2" name="标题 1">
             <a:extLst>
               <a:ext uri="{FF2B5EF4-FFF2-40B4-BE49-F238E27FC236}">
-                <a16:creationId xmlns:a16="http://schemas.microsoft.com/office/drawing/2014/main" id="{E8376EE1-862E-59D9-07E4-DB160B37175E}"/>
+                <a16:creationId xmlns:a16="http://schemas.microsoft.com/office/drawing/2014/main" id="{945041D9-9034-7973-F4F7-47296F89EA04}"/>
               </a:ext>
             </a:extLst>
           </p:cNvPr>
@@ -377,7 +377,7 @@
           <p:cNvPr id="3" name="竖排文字占位符 2">
             <a:extLst>
               <a:ext uri="{FF2B5EF4-FFF2-40B4-BE49-F238E27FC236}">
-                <a16:creationId xmlns:a16="http://schemas.microsoft.com/office/drawing/2014/main" id="{7B3BA357-75BB-64B0-F617-F43363CF6D70}"/>
+                <a16:creationId xmlns:a16="http://schemas.microsoft.com/office/drawing/2014/main" id="{B0E0C207-1E90-271B-7B14-F99D93E35837}"/>
               </a:ext>
             </a:extLst>
           </p:cNvPr>
@@ -434,7 +434,7 @@
           <p:cNvPr id="4" name="日期占位符 3">
             <a:extLst>
               <a:ext uri="{FF2B5EF4-FFF2-40B4-BE49-F238E27FC236}">
-                <a16:creationId xmlns:a16="http://schemas.microsoft.com/office/drawing/2014/main" id="{114BFCD8-7B99-554B-086C-7519697B2829}"/>
+                <a16:creationId xmlns:a16="http://schemas.microsoft.com/office/drawing/2014/main" id="{3AE6B9CA-19EA-5DDB-EAE7-7DCD19D53AF0}"/>
               </a:ext>
             </a:extLst>
           </p:cNvPr>
@@ -450,7 +450,7 @@
           <a:bodyPr/>
           <a:lstStyle/>
           <a:p>
-            <a:fld id="{80FCC475-ADA5-47FF-9DA8-CE7DD92B87C5}" type="datetimeFigureOut">
+            <a:fld id="{44BD9D63-1AE2-4EA2-B5D8-D39FEA1E812A}" type="datetimeFigureOut">
               <a:rPr lang="zh-CN" altLang="en-US" smtClean="0"/>
               <a:t>2024/3/10</a:t>
             </a:fld>
@@ -463,7 +463,7 @@
           <p:cNvPr id="5" name="页脚占位符 4">
             <a:extLst>
               <a:ext uri="{FF2B5EF4-FFF2-40B4-BE49-F238E27FC236}">
-                <a16:creationId xmlns:a16="http://schemas.microsoft.com/office/drawing/2014/main" id="{BA25AF9D-63E5-D536-1B47-6A7F579B06A5}"/>
+                <a16:creationId xmlns:a16="http://schemas.microsoft.com/office/drawing/2014/main" id="{9DD85A6A-294D-D890-17FC-4032DEC233B7}"/>
               </a:ext>
             </a:extLst>
           </p:cNvPr>
@@ -488,7 +488,7 @@
           <p:cNvPr id="6" name="灯片编号占位符 5">
             <a:extLst>
               <a:ext uri="{FF2B5EF4-FFF2-40B4-BE49-F238E27FC236}">
-                <a16:creationId xmlns:a16="http://schemas.microsoft.com/office/drawing/2014/main" id="{837B9BA7-44DD-8E0A-EFEB-B4B5507DD883}"/>
+                <a16:creationId xmlns:a16="http://schemas.microsoft.com/office/drawing/2014/main" id="{008506D8-A226-AB52-B5E7-4AEDDE1A341E}"/>
               </a:ext>
             </a:extLst>
           </p:cNvPr>
@@ -504,7 +504,7 @@
           <a:bodyPr/>
           <a:lstStyle/>
           <a:p>
-            <a:fld id="{3D32475A-2629-4EC6-A9D5-F416432FA085}" type="slidenum">
+            <a:fld id="{ADF8E443-1A62-4073-99D6-737F20D3A126}" type="slidenum">
               <a:rPr lang="zh-CN" altLang="en-US" smtClean="0"/>
               <a:t>‹#›</a:t>
             </a:fld>
@@ -515,7 +515,7 @@
     </p:spTree>
     <p:extLst>
       <p:ext uri="{BB962C8B-B14F-4D97-AF65-F5344CB8AC3E}">
-        <p14:creationId xmlns:p14="http://schemas.microsoft.com/office/powerpoint/2010/main" val="3972556206"/>
+        <p14:creationId xmlns:p14="http://schemas.microsoft.com/office/powerpoint/2010/main" val="4084615322"/>
       </p:ext>
     </p:extLst>
   </p:cSld>
@@ -547,7 +547,7 @@
           <p:cNvPr id="2" name="竖排标题 1">
             <a:extLst>
               <a:ext uri="{FF2B5EF4-FFF2-40B4-BE49-F238E27FC236}">
-                <a16:creationId xmlns:a16="http://schemas.microsoft.com/office/drawing/2014/main" id="{9C17D3C9-5F94-7CD8-0A17-1BF1E380DFB7}"/>
+                <a16:creationId xmlns:a16="http://schemas.microsoft.com/office/drawing/2014/main" id="{BB310753-D73D-3620-4D5E-F0051848BE4F}"/>
               </a:ext>
             </a:extLst>
           </p:cNvPr>
@@ -580,7 +580,7 @@
           <p:cNvPr id="3" name="竖排文字占位符 2">
             <a:extLst>
               <a:ext uri="{FF2B5EF4-FFF2-40B4-BE49-F238E27FC236}">
-                <a16:creationId xmlns:a16="http://schemas.microsoft.com/office/drawing/2014/main" id="{A38FE1D4-FE89-6C08-E0E8-A41B76C76BC0}"/>
+                <a16:creationId xmlns:a16="http://schemas.microsoft.com/office/drawing/2014/main" id="{0AF25584-12EC-FC02-E485-735480034605}"/>
               </a:ext>
             </a:extLst>
           </p:cNvPr>
@@ -642,7 +642,7 @@
           <p:cNvPr id="4" name="日期占位符 3">
             <a:extLst>
               <a:ext uri="{FF2B5EF4-FFF2-40B4-BE49-F238E27FC236}">
-                <a16:creationId xmlns:a16="http://schemas.microsoft.com/office/drawing/2014/main" id="{6E4DA52B-1022-D062-B6C5-72AC8CD08D33}"/>
+                <a16:creationId xmlns:a16="http://schemas.microsoft.com/office/drawing/2014/main" id="{7C16CA2D-652B-97B8-8572-CE658789D06D}"/>
               </a:ext>
             </a:extLst>
           </p:cNvPr>
@@ -658,7 +658,7 @@
           <a:bodyPr/>
           <a:lstStyle/>
           <a:p>
-            <a:fld id="{80FCC475-ADA5-47FF-9DA8-CE7DD92B87C5}" type="datetimeFigureOut">
+            <a:fld id="{44BD9D63-1AE2-4EA2-B5D8-D39FEA1E812A}" type="datetimeFigureOut">
               <a:rPr lang="zh-CN" altLang="en-US" smtClean="0"/>
               <a:t>2024/3/10</a:t>
             </a:fld>
@@ -671,7 +671,7 @@
           <p:cNvPr id="5" name="页脚占位符 4">
             <a:extLst>
               <a:ext uri="{FF2B5EF4-FFF2-40B4-BE49-F238E27FC236}">
-                <a16:creationId xmlns:a16="http://schemas.microsoft.com/office/drawing/2014/main" id="{3832C38F-EF99-B47E-18FC-B50C69BC59DC}"/>
+                <a16:creationId xmlns:a16="http://schemas.microsoft.com/office/drawing/2014/main" id="{E5CE6B9E-45FA-CF48-A025-0220942043AB}"/>
               </a:ext>
             </a:extLst>
           </p:cNvPr>
@@ -696,7 +696,7 @@
           <p:cNvPr id="6" name="灯片编号占位符 5">
             <a:extLst>
               <a:ext uri="{FF2B5EF4-FFF2-40B4-BE49-F238E27FC236}">
-                <a16:creationId xmlns:a16="http://schemas.microsoft.com/office/drawing/2014/main" id="{40034CBA-BA67-0910-BF06-D5E0C83E35D3}"/>
+                <a16:creationId xmlns:a16="http://schemas.microsoft.com/office/drawing/2014/main" id="{0DCEBDFB-01A4-1E47-F96C-356E11825216}"/>
               </a:ext>
             </a:extLst>
           </p:cNvPr>
@@ -712,7 +712,7 @@
           <a:bodyPr/>
           <a:lstStyle/>
           <a:p>
-            <a:fld id="{3D32475A-2629-4EC6-A9D5-F416432FA085}" type="slidenum">
+            <a:fld id="{ADF8E443-1A62-4073-99D6-737F20D3A126}" type="slidenum">
               <a:rPr lang="zh-CN" altLang="en-US" smtClean="0"/>
               <a:t>‹#›</a:t>
             </a:fld>
@@ -723,7 +723,7 @@
     </p:spTree>
     <p:extLst>
       <p:ext uri="{BB962C8B-B14F-4D97-AF65-F5344CB8AC3E}">
-        <p14:creationId xmlns:p14="http://schemas.microsoft.com/office/powerpoint/2010/main" val="966628043"/>
+        <p14:creationId xmlns:p14="http://schemas.microsoft.com/office/powerpoint/2010/main" val="123386580"/>
       </p:ext>
     </p:extLst>
   </p:cSld>
@@ -755,7 +755,7 @@
           <p:cNvPr id="2" name="标题 1">
             <a:extLst>
               <a:ext uri="{FF2B5EF4-FFF2-40B4-BE49-F238E27FC236}">
-                <a16:creationId xmlns:a16="http://schemas.microsoft.com/office/drawing/2014/main" id="{36ACBB2C-294D-98EE-BB93-7FF3535DB882}"/>
+                <a16:creationId xmlns:a16="http://schemas.microsoft.com/office/drawing/2014/main" id="{F13DA9BB-C1DE-43A3-9F51-2272045795F3}"/>
               </a:ext>
             </a:extLst>
           </p:cNvPr>
@@ -783,7 +783,7 @@
           <p:cNvPr id="3" name="内容占位符 2">
             <a:extLst>
               <a:ext uri="{FF2B5EF4-FFF2-40B4-BE49-F238E27FC236}">
-                <a16:creationId xmlns:a16="http://schemas.microsoft.com/office/drawing/2014/main" id="{9A2A4608-25E1-FB34-F974-297D4E75F70C}"/>
+                <a16:creationId xmlns:a16="http://schemas.microsoft.com/office/drawing/2014/main" id="{AD9C5507-194B-FAD1-80BE-0E24BA19A67E}"/>
               </a:ext>
             </a:extLst>
           </p:cNvPr>
@@ -840,7 +840,7 @@
           <p:cNvPr id="4" name="日期占位符 3">
             <a:extLst>
               <a:ext uri="{FF2B5EF4-FFF2-40B4-BE49-F238E27FC236}">
-                <a16:creationId xmlns:a16="http://schemas.microsoft.com/office/drawing/2014/main" id="{04BD69B7-DF82-7926-F493-443B0462C7A3}"/>
+                <a16:creationId xmlns:a16="http://schemas.microsoft.com/office/drawing/2014/main" id="{A8A0DEAD-128C-E524-5E22-82BF02B05D17}"/>
               </a:ext>
             </a:extLst>
           </p:cNvPr>
@@ -856,7 +856,7 @@
           <a:bodyPr/>
           <a:lstStyle/>
           <a:p>
-            <a:fld id="{80FCC475-ADA5-47FF-9DA8-CE7DD92B87C5}" type="datetimeFigureOut">
+            <a:fld id="{44BD9D63-1AE2-4EA2-B5D8-D39FEA1E812A}" type="datetimeFigureOut">
               <a:rPr lang="zh-CN" altLang="en-US" smtClean="0"/>
               <a:t>2024/3/10</a:t>
             </a:fld>
@@ -869,7 +869,7 @@
           <p:cNvPr id="5" name="页脚占位符 4">
             <a:extLst>
               <a:ext uri="{FF2B5EF4-FFF2-40B4-BE49-F238E27FC236}">
-                <a16:creationId xmlns:a16="http://schemas.microsoft.com/office/drawing/2014/main" id="{AF3BEA1A-0684-9F3F-8168-F7615CA45FB3}"/>
+                <a16:creationId xmlns:a16="http://schemas.microsoft.com/office/drawing/2014/main" id="{EDCA7C86-A989-02AF-7A10-0D39A26C27D0}"/>
               </a:ext>
             </a:extLst>
           </p:cNvPr>
@@ -894,7 +894,7 @@
           <p:cNvPr id="6" name="灯片编号占位符 5">
             <a:extLst>
               <a:ext uri="{FF2B5EF4-FFF2-40B4-BE49-F238E27FC236}">
-                <a16:creationId xmlns:a16="http://schemas.microsoft.com/office/drawing/2014/main" id="{E8FF7381-82D6-E827-50F4-90ACD3F7CDA4}"/>
+                <a16:creationId xmlns:a16="http://schemas.microsoft.com/office/drawing/2014/main" id="{9F89174E-B3B5-D07F-590D-1CBCA350B3EF}"/>
               </a:ext>
             </a:extLst>
           </p:cNvPr>
@@ -910,7 +910,7 @@
           <a:bodyPr/>
           <a:lstStyle/>
           <a:p>
-            <a:fld id="{3D32475A-2629-4EC6-A9D5-F416432FA085}" type="slidenum">
+            <a:fld id="{ADF8E443-1A62-4073-99D6-737F20D3A126}" type="slidenum">
               <a:rPr lang="zh-CN" altLang="en-US" smtClean="0"/>
               <a:t>‹#›</a:t>
             </a:fld>
@@ -921,7 +921,7 @@
     </p:spTree>
     <p:extLst>
       <p:ext uri="{BB962C8B-B14F-4D97-AF65-F5344CB8AC3E}">
-        <p14:creationId xmlns:p14="http://schemas.microsoft.com/office/powerpoint/2010/main" val="3543937220"/>
+        <p14:creationId xmlns:p14="http://schemas.microsoft.com/office/powerpoint/2010/main" val="2990341487"/>
       </p:ext>
     </p:extLst>
   </p:cSld>
@@ -953,7 +953,7 @@
           <p:cNvPr id="2" name="标题 1">
             <a:extLst>
               <a:ext uri="{FF2B5EF4-FFF2-40B4-BE49-F238E27FC236}">
-                <a16:creationId xmlns:a16="http://schemas.microsoft.com/office/drawing/2014/main" id="{EA5FA75D-7917-A7B2-848E-FDDC386F6138}"/>
+                <a16:creationId xmlns:a16="http://schemas.microsoft.com/office/drawing/2014/main" id="{4676FFF9-5502-7E9D-4A7D-67BCD90611A4}"/>
               </a:ext>
             </a:extLst>
           </p:cNvPr>
@@ -990,7 +990,7 @@
           <p:cNvPr id="3" name="文本占位符 2">
             <a:extLst>
               <a:ext uri="{FF2B5EF4-FFF2-40B4-BE49-F238E27FC236}">
-                <a16:creationId xmlns:a16="http://schemas.microsoft.com/office/drawing/2014/main" id="{B9AB213F-12B7-17E5-8816-99AF18C5DBA3}"/>
+                <a16:creationId xmlns:a16="http://schemas.microsoft.com/office/drawing/2014/main" id="{57EF49C4-7EFB-CE6B-022F-35A545EC229B}"/>
               </a:ext>
             </a:extLst>
           </p:cNvPr>
@@ -1115,7 +1115,7 @@
           <p:cNvPr id="4" name="日期占位符 3">
             <a:extLst>
               <a:ext uri="{FF2B5EF4-FFF2-40B4-BE49-F238E27FC236}">
-                <a16:creationId xmlns:a16="http://schemas.microsoft.com/office/drawing/2014/main" id="{030EC68A-E997-DA27-A041-FCEFE95E64FE}"/>
+                <a16:creationId xmlns:a16="http://schemas.microsoft.com/office/drawing/2014/main" id="{9EA84F99-3FB1-8A1A-FA21-D4CE49CC83AC}"/>
               </a:ext>
             </a:extLst>
           </p:cNvPr>
@@ -1131,7 +1131,7 @@
           <a:bodyPr/>
           <a:lstStyle/>
           <a:p>
-            <a:fld id="{80FCC475-ADA5-47FF-9DA8-CE7DD92B87C5}" type="datetimeFigureOut">
+            <a:fld id="{44BD9D63-1AE2-4EA2-B5D8-D39FEA1E812A}" type="datetimeFigureOut">
               <a:rPr lang="zh-CN" altLang="en-US" smtClean="0"/>
               <a:t>2024/3/10</a:t>
             </a:fld>
@@ -1144,7 +1144,7 @@
           <p:cNvPr id="5" name="页脚占位符 4">
             <a:extLst>
               <a:ext uri="{FF2B5EF4-FFF2-40B4-BE49-F238E27FC236}">
-                <a16:creationId xmlns:a16="http://schemas.microsoft.com/office/drawing/2014/main" id="{927119DA-A3DE-F2CB-E0F2-582591893C16}"/>
+                <a16:creationId xmlns:a16="http://schemas.microsoft.com/office/drawing/2014/main" id="{0D5A7637-F92F-677D-85B8-46EA2497166A}"/>
               </a:ext>
             </a:extLst>
           </p:cNvPr>
@@ -1169,7 +1169,7 @@
           <p:cNvPr id="6" name="灯片编号占位符 5">
             <a:extLst>
               <a:ext uri="{FF2B5EF4-FFF2-40B4-BE49-F238E27FC236}">
-                <a16:creationId xmlns:a16="http://schemas.microsoft.com/office/drawing/2014/main" id="{24A524C0-F319-6851-5911-2142E2BCC7AF}"/>
+                <a16:creationId xmlns:a16="http://schemas.microsoft.com/office/drawing/2014/main" id="{5C9D3E77-9553-B94B-AEB3-B96EA48C77AE}"/>
               </a:ext>
             </a:extLst>
           </p:cNvPr>
@@ -1185,7 +1185,7 @@
           <a:bodyPr/>
           <a:lstStyle/>
           <a:p>
-            <a:fld id="{3D32475A-2629-4EC6-A9D5-F416432FA085}" type="slidenum">
+            <a:fld id="{ADF8E443-1A62-4073-99D6-737F20D3A126}" type="slidenum">
               <a:rPr lang="zh-CN" altLang="en-US" smtClean="0"/>
               <a:t>‹#›</a:t>
             </a:fld>
@@ -1196,7 +1196,7 @@
     </p:spTree>
     <p:extLst>
       <p:ext uri="{BB962C8B-B14F-4D97-AF65-F5344CB8AC3E}">
-        <p14:creationId xmlns:p14="http://schemas.microsoft.com/office/powerpoint/2010/main" val="80669981"/>
+        <p14:creationId xmlns:p14="http://schemas.microsoft.com/office/powerpoint/2010/main" val="2574655815"/>
       </p:ext>
     </p:extLst>
   </p:cSld>
@@ -1228,7 +1228,7 @@
           <p:cNvPr id="2" name="标题 1">
             <a:extLst>
               <a:ext uri="{FF2B5EF4-FFF2-40B4-BE49-F238E27FC236}">
-                <a16:creationId xmlns:a16="http://schemas.microsoft.com/office/drawing/2014/main" id="{A426FB0E-339A-EE32-E419-E90715FFC7D0}"/>
+                <a16:creationId xmlns:a16="http://schemas.microsoft.com/office/drawing/2014/main" id="{755177B7-D738-DCDB-3BA5-21B27BF0A2AE}"/>
               </a:ext>
             </a:extLst>
           </p:cNvPr>
@@ -1256,7 +1256,7 @@
           <p:cNvPr id="3" name="内容占位符 2">
             <a:extLst>
               <a:ext uri="{FF2B5EF4-FFF2-40B4-BE49-F238E27FC236}">
-                <a16:creationId xmlns:a16="http://schemas.microsoft.com/office/drawing/2014/main" id="{8379CFC4-9655-8896-97B3-0C44414B788B}"/>
+                <a16:creationId xmlns:a16="http://schemas.microsoft.com/office/drawing/2014/main" id="{91429F55-2C3F-7372-3B15-C8F6982F4002}"/>
               </a:ext>
             </a:extLst>
           </p:cNvPr>
@@ -1318,7 +1318,7 @@
           <p:cNvPr id="4" name="内容占位符 3">
             <a:extLst>
               <a:ext uri="{FF2B5EF4-FFF2-40B4-BE49-F238E27FC236}">
-                <a16:creationId xmlns:a16="http://schemas.microsoft.com/office/drawing/2014/main" id="{A453E8D1-3B9F-33F8-2361-B91C4F245ACA}"/>
+                <a16:creationId xmlns:a16="http://schemas.microsoft.com/office/drawing/2014/main" id="{0AFC81DC-3C97-50F3-D670-364298B16DA7}"/>
               </a:ext>
             </a:extLst>
           </p:cNvPr>
@@ -1380,7 +1380,7 @@
           <p:cNvPr id="5" name="日期占位符 4">
             <a:extLst>
               <a:ext uri="{FF2B5EF4-FFF2-40B4-BE49-F238E27FC236}">
-                <a16:creationId xmlns:a16="http://schemas.microsoft.com/office/drawing/2014/main" id="{46955852-BFB0-C253-FCEA-FB123A966F6E}"/>
+                <a16:creationId xmlns:a16="http://schemas.microsoft.com/office/drawing/2014/main" id="{023B0704-5D24-6715-15E1-F3460C433F96}"/>
               </a:ext>
             </a:extLst>
           </p:cNvPr>
@@ -1396,7 +1396,7 @@
           <a:bodyPr/>
           <a:lstStyle/>
           <a:p>
-            <a:fld id="{80FCC475-ADA5-47FF-9DA8-CE7DD92B87C5}" type="datetimeFigureOut">
+            <a:fld id="{44BD9D63-1AE2-4EA2-B5D8-D39FEA1E812A}" type="datetimeFigureOut">
               <a:rPr lang="zh-CN" altLang="en-US" smtClean="0"/>
               <a:t>2024/3/10</a:t>
             </a:fld>
@@ -1409,7 +1409,7 @@
           <p:cNvPr id="6" name="页脚占位符 5">
             <a:extLst>
               <a:ext uri="{FF2B5EF4-FFF2-40B4-BE49-F238E27FC236}">
-                <a16:creationId xmlns:a16="http://schemas.microsoft.com/office/drawing/2014/main" id="{B094CD54-351B-53E1-88DF-75F249642583}"/>
+                <a16:creationId xmlns:a16="http://schemas.microsoft.com/office/drawing/2014/main" id="{82C356B8-AA1F-A175-B0A4-ADB78AA882B8}"/>
               </a:ext>
             </a:extLst>
           </p:cNvPr>
@@ -1434,7 +1434,7 @@
           <p:cNvPr id="7" name="灯片编号占位符 6">
             <a:extLst>
               <a:ext uri="{FF2B5EF4-FFF2-40B4-BE49-F238E27FC236}">
-                <a16:creationId xmlns:a16="http://schemas.microsoft.com/office/drawing/2014/main" id="{9CD08C23-D48B-3AB2-E88D-D6A6E2218049}"/>
+                <a16:creationId xmlns:a16="http://schemas.microsoft.com/office/drawing/2014/main" id="{A0881B44-ACF4-BC76-1B78-F5422A2F5FF0}"/>
               </a:ext>
             </a:extLst>
           </p:cNvPr>
@@ -1450,7 +1450,7 @@
           <a:bodyPr/>
           <a:lstStyle/>
           <a:p>
-            <a:fld id="{3D32475A-2629-4EC6-A9D5-F416432FA085}" type="slidenum">
+            <a:fld id="{ADF8E443-1A62-4073-99D6-737F20D3A126}" type="slidenum">
               <a:rPr lang="zh-CN" altLang="en-US" smtClean="0"/>
               <a:t>‹#›</a:t>
             </a:fld>
@@ -1461,7 +1461,7 @@
     </p:spTree>
     <p:extLst>
       <p:ext uri="{BB962C8B-B14F-4D97-AF65-F5344CB8AC3E}">
-        <p14:creationId xmlns:p14="http://schemas.microsoft.com/office/powerpoint/2010/main" val="1774716807"/>
+        <p14:creationId xmlns:p14="http://schemas.microsoft.com/office/powerpoint/2010/main" val="676108003"/>
       </p:ext>
     </p:extLst>
   </p:cSld>
@@ -1493,7 +1493,7 @@
           <p:cNvPr id="2" name="标题 1">
             <a:extLst>
               <a:ext uri="{FF2B5EF4-FFF2-40B4-BE49-F238E27FC236}">
-                <a16:creationId xmlns:a16="http://schemas.microsoft.com/office/drawing/2014/main" id="{5DEBF7A7-402D-3ACD-D1A0-4FA5220C7685}"/>
+                <a16:creationId xmlns:a16="http://schemas.microsoft.com/office/drawing/2014/main" id="{2C6D9101-0BB3-AEE2-4751-A0D5C6ED8282}"/>
               </a:ext>
             </a:extLst>
           </p:cNvPr>
@@ -1526,7 +1526,7 @@
           <p:cNvPr id="3" name="文本占位符 2">
             <a:extLst>
               <a:ext uri="{FF2B5EF4-FFF2-40B4-BE49-F238E27FC236}">
-                <a16:creationId xmlns:a16="http://schemas.microsoft.com/office/drawing/2014/main" id="{F3983D03-E182-D0BD-E23B-5255C51B17F6}"/>
+                <a16:creationId xmlns:a16="http://schemas.microsoft.com/office/drawing/2014/main" id="{139EA59E-0D56-1033-5799-2B6B3FAA5AA3}"/>
               </a:ext>
             </a:extLst>
           </p:cNvPr>
@@ -1597,7 +1597,7 @@
           <p:cNvPr id="4" name="内容占位符 3">
             <a:extLst>
               <a:ext uri="{FF2B5EF4-FFF2-40B4-BE49-F238E27FC236}">
-                <a16:creationId xmlns:a16="http://schemas.microsoft.com/office/drawing/2014/main" id="{A44B66A9-3E1B-6D13-41B6-C64E84B92CE2}"/>
+                <a16:creationId xmlns:a16="http://schemas.microsoft.com/office/drawing/2014/main" id="{AE4499D2-5B15-EB94-D9B0-7E0E467E9092}"/>
               </a:ext>
             </a:extLst>
           </p:cNvPr>
@@ -1659,7 +1659,7 @@
           <p:cNvPr id="5" name="文本占位符 4">
             <a:extLst>
               <a:ext uri="{FF2B5EF4-FFF2-40B4-BE49-F238E27FC236}">
-                <a16:creationId xmlns:a16="http://schemas.microsoft.com/office/drawing/2014/main" id="{989E234F-405B-D6B8-2EC4-35A0B4FDD5D2}"/>
+                <a16:creationId xmlns:a16="http://schemas.microsoft.com/office/drawing/2014/main" id="{DF4242E9-3641-7E05-A69F-4168D243225A}"/>
               </a:ext>
             </a:extLst>
           </p:cNvPr>
@@ -1730,7 +1730,7 @@
           <p:cNvPr id="6" name="内容占位符 5">
             <a:extLst>
               <a:ext uri="{FF2B5EF4-FFF2-40B4-BE49-F238E27FC236}">
-                <a16:creationId xmlns:a16="http://schemas.microsoft.com/office/drawing/2014/main" id="{077F7CB2-8A7D-2579-0E3B-57B6216A489F}"/>
+                <a16:creationId xmlns:a16="http://schemas.microsoft.com/office/drawing/2014/main" id="{AFF7BF76-DB8F-1DE9-B810-C59C10471DBF}"/>
               </a:ext>
             </a:extLst>
           </p:cNvPr>
@@ -1792,7 +1792,7 @@
           <p:cNvPr id="7" name="日期占位符 6">
             <a:extLst>
               <a:ext uri="{FF2B5EF4-FFF2-40B4-BE49-F238E27FC236}">
-                <a16:creationId xmlns:a16="http://schemas.microsoft.com/office/drawing/2014/main" id="{F1F8DB55-37D1-0206-7429-5A75EC77B2E0}"/>
+                <a16:creationId xmlns:a16="http://schemas.microsoft.com/office/drawing/2014/main" id="{F9DF5431-B36F-B938-70C6-76DE55CF352A}"/>
               </a:ext>
             </a:extLst>
           </p:cNvPr>
@@ -1808,7 +1808,7 @@
           <a:bodyPr/>
           <a:lstStyle/>
           <a:p>
-            <a:fld id="{80FCC475-ADA5-47FF-9DA8-CE7DD92B87C5}" type="datetimeFigureOut">
+            <a:fld id="{44BD9D63-1AE2-4EA2-B5D8-D39FEA1E812A}" type="datetimeFigureOut">
               <a:rPr lang="zh-CN" altLang="en-US" smtClean="0"/>
               <a:t>2024/3/10</a:t>
             </a:fld>
@@ -1821,7 +1821,7 @@
           <p:cNvPr id="8" name="页脚占位符 7">
             <a:extLst>
               <a:ext uri="{FF2B5EF4-FFF2-40B4-BE49-F238E27FC236}">
-                <a16:creationId xmlns:a16="http://schemas.microsoft.com/office/drawing/2014/main" id="{38771F30-6131-3E84-2F41-5D184502D007}"/>
+                <a16:creationId xmlns:a16="http://schemas.microsoft.com/office/drawing/2014/main" id="{5053B992-F2AD-69A5-4C30-0525F035FF58}"/>
               </a:ext>
             </a:extLst>
           </p:cNvPr>
@@ -1846,7 +1846,7 @@
           <p:cNvPr id="9" name="灯片编号占位符 8">
             <a:extLst>
               <a:ext uri="{FF2B5EF4-FFF2-40B4-BE49-F238E27FC236}">
-                <a16:creationId xmlns:a16="http://schemas.microsoft.com/office/drawing/2014/main" id="{C41BEC08-040C-EE03-12E8-226FD66083FF}"/>
+                <a16:creationId xmlns:a16="http://schemas.microsoft.com/office/drawing/2014/main" id="{2F7DE789-2433-5A9F-B650-66082AF4CF7B}"/>
               </a:ext>
             </a:extLst>
           </p:cNvPr>
@@ -1862,7 +1862,7 @@
           <a:bodyPr/>
           <a:lstStyle/>
           <a:p>
-            <a:fld id="{3D32475A-2629-4EC6-A9D5-F416432FA085}" type="slidenum">
+            <a:fld id="{ADF8E443-1A62-4073-99D6-737F20D3A126}" type="slidenum">
               <a:rPr lang="zh-CN" altLang="en-US" smtClean="0"/>
               <a:t>‹#›</a:t>
             </a:fld>
@@ -1873,7 +1873,7 @@
     </p:spTree>
     <p:extLst>
       <p:ext uri="{BB962C8B-B14F-4D97-AF65-F5344CB8AC3E}">
-        <p14:creationId xmlns:p14="http://schemas.microsoft.com/office/powerpoint/2010/main" val="1043318646"/>
+        <p14:creationId xmlns:p14="http://schemas.microsoft.com/office/powerpoint/2010/main" val="1350033416"/>
       </p:ext>
     </p:extLst>
   </p:cSld>
@@ -1905,7 +1905,7 @@
           <p:cNvPr id="2" name="标题 1">
             <a:extLst>
               <a:ext uri="{FF2B5EF4-FFF2-40B4-BE49-F238E27FC236}">
-                <a16:creationId xmlns:a16="http://schemas.microsoft.com/office/drawing/2014/main" id="{8F9F0904-0F3D-4FA0-5ECF-7888A74D5502}"/>
+                <a16:creationId xmlns:a16="http://schemas.microsoft.com/office/drawing/2014/main" id="{CCAA4FEF-3C89-C464-81EE-053CE918D166}"/>
               </a:ext>
             </a:extLst>
           </p:cNvPr>
@@ -1933,7 +1933,7 @@
           <p:cNvPr id="3" name="日期占位符 2">
             <a:extLst>
               <a:ext uri="{FF2B5EF4-FFF2-40B4-BE49-F238E27FC236}">
-                <a16:creationId xmlns:a16="http://schemas.microsoft.com/office/drawing/2014/main" id="{C104059D-DEAA-BF35-2C01-56008F1AD420}"/>
+                <a16:creationId xmlns:a16="http://schemas.microsoft.com/office/drawing/2014/main" id="{4B158E2D-E05E-DF58-47EA-601BC9A970BE}"/>
               </a:ext>
             </a:extLst>
           </p:cNvPr>
@@ -1949,7 +1949,7 @@
           <a:bodyPr/>
           <a:lstStyle/>
           <a:p>
-            <a:fld id="{80FCC475-ADA5-47FF-9DA8-CE7DD92B87C5}" type="datetimeFigureOut">
+            <a:fld id="{44BD9D63-1AE2-4EA2-B5D8-D39FEA1E812A}" type="datetimeFigureOut">
               <a:rPr lang="zh-CN" altLang="en-US" smtClean="0"/>
               <a:t>2024/3/10</a:t>
             </a:fld>
@@ -1962,7 +1962,7 @@
           <p:cNvPr id="4" name="页脚占位符 3">
             <a:extLst>
               <a:ext uri="{FF2B5EF4-FFF2-40B4-BE49-F238E27FC236}">
-                <a16:creationId xmlns:a16="http://schemas.microsoft.com/office/drawing/2014/main" id="{A2A486E7-8D6B-75C4-FCF5-378B2065DCE1}"/>
+                <a16:creationId xmlns:a16="http://schemas.microsoft.com/office/drawing/2014/main" id="{6D9EA02E-8421-8291-22E5-6D2A34207F8E}"/>
               </a:ext>
             </a:extLst>
           </p:cNvPr>
@@ -1987,7 +1987,7 @@
           <p:cNvPr id="5" name="灯片编号占位符 4">
             <a:extLst>
               <a:ext uri="{FF2B5EF4-FFF2-40B4-BE49-F238E27FC236}">
-                <a16:creationId xmlns:a16="http://schemas.microsoft.com/office/drawing/2014/main" id="{C81E54FC-68C7-7921-A194-F9ABC169DE9B}"/>
+                <a16:creationId xmlns:a16="http://schemas.microsoft.com/office/drawing/2014/main" id="{F9C44CE3-B312-051E-B3FB-446A99FAAC23}"/>
               </a:ext>
             </a:extLst>
           </p:cNvPr>
@@ -2003,7 +2003,7 @@
           <a:bodyPr/>
           <a:lstStyle/>
           <a:p>
-            <a:fld id="{3D32475A-2629-4EC6-A9D5-F416432FA085}" type="slidenum">
+            <a:fld id="{ADF8E443-1A62-4073-99D6-737F20D3A126}" type="slidenum">
               <a:rPr lang="zh-CN" altLang="en-US" smtClean="0"/>
               <a:t>‹#›</a:t>
             </a:fld>
@@ -2014,7 +2014,7 @@
     </p:spTree>
     <p:extLst>
       <p:ext uri="{BB962C8B-B14F-4D97-AF65-F5344CB8AC3E}">
-        <p14:creationId xmlns:p14="http://schemas.microsoft.com/office/powerpoint/2010/main" val="3761893640"/>
+        <p14:creationId xmlns:p14="http://schemas.microsoft.com/office/powerpoint/2010/main" val="1956332842"/>
       </p:ext>
     </p:extLst>
   </p:cSld>
@@ -2046,7 +2046,7 @@
           <p:cNvPr id="2" name="日期占位符 1">
             <a:extLst>
               <a:ext uri="{FF2B5EF4-FFF2-40B4-BE49-F238E27FC236}">
-                <a16:creationId xmlns:a16="http://schemas.microsoft.com/office/drawing/2014/main" id="{DF1A8271-EF6D-A36A-4C61-608A957CD0E6}"/>
+                <a16:creationId xmlns:a16="http://schemas.microsoft.com/office/drawing/2014/main" id="{3ACFA0A2-33DE-AE67-EF30-D495C3B11E38}"/>
               </a:ext>
             </a:extLst>
           </p:cNvPr>
@@ -2062,7 +2062,7 @@
           <a:bodyPr/>
           <a:lstStyle/>
           <a:p>
-            <a:fld id="{80FCC475-ADA5-47FF-9DA8-CE7DD92B87C5}" type="datetimeFigureOut">
+            <a:fld id="{44BD9D63-1AE2-4EA2-B5D8-D39FEA1E812A}" type="datetimeFigureOut">
               <a:rPr lang="zh-CN" altLang="en-US" smtClean="0"/>
               <a:t>2024/3/10</a:t>
             </a:fld>
@@ -2075,7 +2075,7 @@
           <p:cNvPr id="3" name="页脚占位符 2">
             <a:extLst>
               <a:ext uri="{FF2B5EF4-FFF2-40B4-BE49-F238E27FC236}">
-                <a16:creationId xmlns:a16="http://schemas.microsoft.com/office/drawing/2014/main" id="{CC41CCE7-470A-9700-4218-0E991A6AA8FD}"/>
+                <a16:creationId xmlns:a16="http://schemas.microsoft.com/office/drawing/2014/main" id="{660D6736-6221-6149-6D61-F68EDE93AB99}"/>
               </a:ext>
             </a:extLst>
           </p:cNvPr>
@@ -2100,7 +2100,7 @@
           <p:cNvPr id="4" name="灯片编号占位符 3">
             <a:extLst>
               <a:ext uri="{FF2B5EF4-FFF2-40B4-BE49-F238E27FC236}">
-                <a16:creationId xmlns:a16="http://schemas.microsoft.com/office/drawing/2014/main" id="{BF07CDE4-3234-A1FC-7682-FBE59EAAF7CB}"/>
+                <a16:creationId xmlns:a16="http://schemas.microsoft.com/office/drawing/2014/main" id="{B57AB27F-FF7E-5D25-913C-7E077A69B7DD}"/>
               </a:ext>
             </a:extLst>
           </p:cNvPr>
@@ -2116,7 +2116,7 @@
           <a:bodyPr/>
           <a:lstStyle/>
           <a:p>
-            <a:fld id="{3D32475A-2629-4EC6-A9D5-F416432FA085}" type="slidenum">
+            <a:fld id="{ADF8E443-1A62-4073-99D6-737F20D3A126}" type="slidenum">
               <a:rPr lang="zh-CN" altLang="en-US" smtClean="0"/>
               <a:t>‹#›</a:t>
             </a:fld>
@@ -2127,7 +2127,7 @@
     </p:spTree>
     <p:extLst>
       <p:ext uri="{BB962C8B-B14F-4D97-AF65-F5344CB8AC3E}">
-        <p14:creationId xmlns:p14="http://schemas.microsoft.com/office/powerpoint/2010/main" val="3850410614"/>
+        <p14:creationId xmlns:p14="http://schemas.microsoft.com/office/powerpoint/2010/main" val="2213615180"/>
       </p:ext>
     </p:extLst>
   </p:cSld>
@@ -2159,7 +2159,7 @@
           <p:cNvPr id="2" name="标题 1">
             <a:extLst>
               <a:ext uri="{FF2B5EF4-FFF2-40B4-BE49-F238E27FC236}">
-                <a16:creationId xmlns:a16="http://schemas.microsoft.com/office/drawing/2014/main" id="{4975CED6-7D17-B0E0-EBD8-7B6C2F974BB3}"/>
+                <a16:creationId xmlns:a16="http://schemas.microsoft.com/office/drawing/2014/main" id="{A32B040C-2658-1524-8898-2A83B5595AD5}"/>
               </a:ext>
             </a:extLst>
           </p:cNvPr>
@@ -2196,7 +2196,7 @@
           <p:cNvPr id="3" name="内容占位符 2">
             <a:extLst>
               <a:ext uri="{FF2B5EF4-FFF2-40B4-BE49-F238E27FC236}">
-                <a16:creationId xmlns:a16="http://schemas.microsoft.com/office/drawing/2014/main" id="{6CA14ADD-132D-E325-29EF-646BAA90DE75}"/>
+                <a16:creationId xmlns:a16="http://schemas.microsoft.com/office/drawing/2014/main" id="{E0C181FC-6BAF-4018-BDF1-B6066CA756ED}"/>
               </a:ext>
             </a:extLst>
           </p:cNvPr>
@@ -2286,7 +2286,7 @@
           <p:cNvPr id="4" name="文本占位符 3">
             <a:extLst>
               <a:ext uri="{FF2B5EF4-FFF2-40B4-BE49-F238E27FC236}">
-                <a16:creationId xmlns:a16="http://schemas.microsoft.com/office/drawing/2014/main" id="{2C879909-09DA-9BF4-6AC6-4F51DE6C52DC}"/>
+                <a16:creationId xmlns:a16="http://schemas.microsoft.com/office/drawing/2014/main" id="{B2C82FCA-1BD5-028F-5EC7-F726E9112203}"/>
               </a:ext>
             </a:extLst>
           </p:cNvPr>
@@ -2357,7 +2357,7 @@
           <p:cNvPr id="5" name="日期占位符 4">
             <a:extLst>
               <a:ext uri="{FF2B5EF4-FFF2-40B4-BE49-F238E27FC236}">
-                <a16:creationId xmlns:a16="http://schemas.microsoft.com/office/drawing/2014/main" id="{B799B3E4-8DC8-046C-C78E-BA5E2D75F6C6}"/>
+                <a16:creationId xmlns:a16="http://schemas.microsoft.com/office/drawing/2014/main" id="{1B2F64F2-122C-817C-5B0C-A7F63C36B5A1}"/>
               </a:ext>
             </a:extLst>
           </p:cNvPr>
@@ -2373,7 +2373,7 @@
           <a:bodyPr/>
           <a:lstStyle/>
           <a:p>
-            <a:fld id="{80FCC475-ADA5-47FF-9DA8-CE7DD92B87C5}" type="datetimeFigureOut">
+            <a:fld id="{44BD9D63-1AE2-4EA2-B5D8-D39FEA1E812A}" type="datetimeFigureOut">
               <a:rPr lang="zh-CN" altLang="en-US" smtClean="0"/>
               <a:t>2024/3/10</a:t>
             </a:fld>
@@ -2386,7 +2386,7 @@
           <p:cNvPr id="6" name="页脚占位符 5">
             <a:extLst>
               <a:ext uri="{FF2B5EF4-FFF2-40B4-BE49-F238E27FC236}">
-                <a16:creationId xmlns:a16="http://schemas.microsoft.com/office/drawing/2014/main" id="{BCE24D48-9AB0-D8B5-BFAD-44F73981E29E}"/>
+                <a16:creationId xmlns:a16="http://schemas.microsoft.com/office/drawing/2014/main" id="{3029F2EB-9937-5304-6CF5-AB32B08466AC}"/>
               </a:ext>
             </a:extLst>
           </p:cNvPr>
@@ -2411,7 +2411,7 @@
           <p:cNvPr id="7" name="灯片编号占位符 6">
             <a:extLst>
               <a:ext uri="{FF2B5EF4-FFF2-40B4-BE49-F238E27FC236}">
-                <a16:creationId xmlns:a16="http://schemas.microsoft.com/office/drawing/2014/main" id="{4F95A4A9-9230-C97F-D41F-B4CE3516C266}"/>
+                <a16:creationId xmlns:a16="http://schemas.microsoft.com/office/drawing/2014/main" id="{B9D84453-41B0-3E76-54A7-67124EBFEBB5}"/>
               </a:ext>
             </a:extLst>
           </p:cNvPr>
@@ -2427,7 +2427,7 @@
           <a:bodyPr/>
           <a:lstStyle/>
           <a:p>
-            <a:fld id="{3D32475A-2629-4EC6-A9D5-F416432FA085}" type="slidenum">
+            <a:fld id="{ADF8E443-1A62-4073-99D6-737F20D3A126}" type="slidenum">
               <a:rPr lang="zh-CN" altLang="en-US" smtClean="0"/>
               <a:t>‹#›</a:t>
             </a:fld>
@@ -2438,7 +2438,7 @@
     </p:spTree>
     <p:extLst>
       <p:ext uri="{BB962C8B-B14F-4D97-AF65-F5344CB8AC3E}">
-        <p14:creationId xmlns:p14="http://schemas.microsoft.com/office/powerpoint/2010/main" val="2986619819"/>
+        <p14:creationId xmlns:p14="http://schemas.microsoft.com/office/powerpoint/2010/main" val="700902164"/>
       </p:ext>
     </p:extLst>
   </p:cSld>
@@ -2470,7 +2470,7 @@
           <p:cNvPr id="2" name="标题 1">
             <a:extLst>
               <a:ext uri="{FF2B5EF4-FFF2-40B4-BE49-F238E27FC236}">
-                <a16:creationId xmlns:a16="http://schemas.microsoft.com/office/drawing/2014/main" id="{7C2F639B-4022-01A4-CE9F-31DDB05C2A10}"/>
+                <a16:creationId xmlns:a16="http://schemas.microsoft.com/office/drawing/2014/main" id="{89345E94-B309-828D-43D5-AD54B754CDA5}"/>
               </a:ext>
             </a:extLst>
           </p:cNvPr>
@@ -2507,7 +2507,7 @@
           <p:cNvPr id="3" name="图片占位符 2">
             <a:extLst>
               <a:ext uri="{FF2B5EF4-FFF2-40B4-BE49-F238E27FC236}">
-                <a16:creationId xmlns:a16="http://schemas.microsoft.com/office/drawing/2014/main" id="{8FFF6106-D9D4-952B-C56C-C4B93CEDCF9C}"/>
+                <a16:creationId xmlns:a16="http://schemas.microsoft.com/office/drawing/2014/main" id="{2E431B28-F9C7-8BD9-AB8D-47DB8C205239}"/>
               </a:ext>
             </a:extLst>
           </p:cNvPr>
@@ -2574,7 +2574,7 @@
           <p:cNvPr id="4" name="文本占位符 3">
             <a:extLst>
               <a:ext uri="{FF2B5EF4-FFF2-40B4-BE49-F238E27FC236}">
-                <a16:creationId xmlns:a16="http://schemas.microsoft.com/office/drawing/2014/main" id="{0E701C67-1A1A-69C6-80ED-7AF77F6B22D4}"/>
+                <a16:creationId xmlns:a16="http://schemas.microsoft.com/office/drawing/2014/main" id="{2C1B06C4-7378-0684-1045-FDAB711B081E}"/>
               </a:ext>
             </a:extLst>
           </p:cNvPr>
@@ -2645,7 +2645,7 @@
           <p:cNvPr id="5" name="日期占位符 4">
             <a:extLst>
               <a:ext uri="{FF2B5EF4-FFF2-40B4-BE49-F238E27FC236}">
-                <a16:creationId xmlns:a16="http://schemas.microsoft.com/office/drawing/2014/main" id="{53E027C9-C893-B25A-2FF0-704761EAE7D1}"/>
+                <a16:creationId xmlns:a16="http://schemas.microsoft.com/office/drawing/2014/main" id="{36F91E5C-8100-E3E9-C2CA-2EA6B0968E75}"/>
               </a:ext>
             </a:extLst>
           </p:cNvPr>
@@ -2661,7 +2661,7 @@
           <a:bodyPr/>
           <a:lstStyle/>
           <a:p>
-            <a:fld id="{80FCC475-ADA5-47FF-9DA8-CE7DD92B87C5}" type="datetimeFigureOut">
+            <a:fld id="{44BD9D63-1AE2-4EA2-B5D8-D39FEA1E812A}" type="datetimeFigureOut">
               <a:rPr lang="zh-CN" altLang="en-US" smtClean="0"/>
               <a:t>2024/3/10</a:t>
             </a:fld>
@@ -2674,7 +2674,7 @@
           <p:cNvPr id="6" name="页脚占位符 5">
             <a:extLst>
               <a:ext uri="{FF2B5EF4-FFF2-40B4-BE49-F238E27FC236}">
-                <a16:creationId xmlns:a16="http://schemas.microsoft.com/office/drawing/2014/main" id="{2DDF224B-39C5-F0B5-E316-725FC849817A}"/>
+                <a16:creationId xmlns:a16="http://schemas.microsoft.com/office/drawing/2014/main" id="{D7AE1DCB-76DF-A73E-564A-C2D83E9ECB6F}"/>
               </a:ext>
             </a:extLst>
           </p:cNvPr>
@@ -2699,7 +2699,7 @@
           <p:cNvPr id="7" name="灯片编号占位符 6">
             <a:extLst>
               <a:ext uri="{FF2B5EF4-FFF2-40B4-BE49-F238E27FC236}">
-                <a16:creationId xmlns:a16="http://schemas.microsoft.com/office/drawing/2014/main" id="{16A20E50-7AD4-F832-3EF1-5C00C21E2146}"/>
+                <a16:creationId xmlns:a16="http://schemas.microsoft.com/office/drawing/2014/main" id="{BA64456C-815A-1523-EC81-E78DF25F2E58}"/>
               </a:ext>
             </a:extLst>
           </p:cNvPr>
@@ -2715,7 +2715,7 @@
           <a:bodyPr/>
           <a:lstStyle/>
           <a:p>
-            <a:fld id="{3D32475A-2629-4EC6-A9D5-F416432FA085}" type="slidenum">
+            <a:fld id="{ADF8E443-1A62-4073-99D6-737F20D3A126}" type="slidenum">
               <a:rPr lang="zh-CN" altLang="en-US" smtClean="0"/>
               <a:t>‹#›</a:t>
             </a:fld>
@@ -2726,7 +2726,7 @@
     </p:spTree>
     <p:extLst>
       <p:ext uri="{BB962C8B-B14F-4D97-AF65-F5344CB8AC3E}">
-        <p14:creationId xmlns:p14="http://schemas.microsoft.com/office/powerpoint/2010/main" val="2631086803"/>
+        <p14:creationId xmlns:p14="http://schemas.microsoft.com/office/powerpoint/2010/main" val="147247781"/>
       </p:ext>
     </p:extLst>
   </p:cSld>
@@ -2763,7 +2763,7 @@
           <p:cNvPr id="2" name="标题占位符 1">
             <a:extLst>
               <a:ext uri="{FF2B5EF4-FFF2-40B4-BE49-F238E27FC236}">
-                <a16:creationId xmlns:a16="http://schemas.microsoft.com/office/drawing/2014/main" id="{8A95D096-23BF-0895-0E63-1078BC4C53B9}"/>
+                <a16:creationId xmlns:a16="http://schemas.microsoft.com/office/drawing/2014/main" id="{7A9854E9-37FB-F1D0-86A0-64EA0B4A7DC6}"/>
               </a:ext>
             </a:extLst>
           </p:cNvPr>
@@ -2801,7 +2801,7 @@
           <p:cNvPr id="3" name="文本占位符 2">
             <a:extLst>
               <a:ext uri="{FF2B5EF4-FFF2-40B4-BE49-F238E27FC236}">
-                <a16:creationId xmlns:a16="http://schemas.microsoft.com/office/drawing/2014/main" id="{B10A050E-14B0-E3D5-9DAB-90CE2256120A}"/>
+                <a16:creationId xmlns:a16="http://schemas.microsoft.com/office/drawing/2014/main" id="{FC069E5B-1D6F-3C4A-056B-E40AE4850459}"/>
               </a:ext>
             </a:extLst>
           </p:cNvPr>
@@ -2868,7 +2868,7 @@
           <p:cNvPr id="4" name="日期占位符 3">
             <a:extLst>
               <a:ext uri="{FF2B5EF4-FFF2-40B4-BE49-F238E27FC236}">
-                <a16:creationId xmlns:a16="http://schemas.microsoft.com/office/drawing/2014/main" id="{82106C45-D0B6-A490-AA29-B08F8423F129}"/>
+                <a16:creationId xmlns:a16="http://schemas.microsoft.com/office/drawing/2014/main" id="{4035C336-4E18-91CE-3785-89ABACD8903D}"/>
               </a:ext>
             </a:extLst>
           </p:cNvPr>
@@ -2902,7 +2902,7 @@
             </a:lvl1pPr>
           </a:lstStyle>
           <a:p>
-            <a:fld id="{80FCC475-ADA5-47FF-9DA8-CE7DD92B87C5}" type="datetimeFigureOut">
+            <a:fld id="{44BD9D63-1AE2-4EA2-B5D8-D39FEA1E812A}" type="datetimeFigureOut">
               <a:rPr lang="zh-CN" altLang="en-US" smtClean="0"/>
               <a:t>2024/3/10</a:t>
             </a:fld>
@@ -2915,7 +2915,7 @@
           <p:cNvPr id="5" name="页脚占位符 4">
             <a:extLst>
               <a:ext uri="{FF2B5EF4-FFF2-40B4-BE49-F238E27FC236}">
-                <a16:creationId xmlns:a16="http://schemas.microsoft.com/office/drawing/2014/main" id="{9A2350A7-7B17-3BDA-0CEC-1F0F79B423B4}"/>
+                <a16:creationId xmlns:a16="http://schemas.microsoft.com/office/drawing/2014/main" id="{B372CE89-427E-70CA-3C99-6F0DE63193FE}"/>
               </a:ext>
             </a:extLst>
           </p:cNvPr>
@@ -2958,7 +2958,7 @@
           <p:cNvPr id="6" name="灯片编号占位符 5">
             <a:extLst>
               <a:ext uri="{FF2B5EF4-FFF2-40B4-BE49-F238E27FC236}">
-                <a16:creationId xmlns:a16="http://schemas.microsoft.com/office/drawing/2014/main" id="{FEFB5075-1EFE-604E-AA06-0CF6AC169DDF}"/>
+                <a16:creationId xmlns:a16="http://schemas.microsoft.com/office/drawing/2014/main" id="{64C39EE9-2693-80D4-47AF-0DC10FC1FB38}"/>
               </a:ext>
             </a:extLst>
           </p:cNvPr>
@@ -2992,7 +2992,7 @@
             </a:lvl1pPr>
           </a:lstStyle>
           <a:p>
-            <a:fld id="{3D32475A-2629-4EC6-A9D5-F416432FA085}" type="slidenum">
+            <a:fld id="{ADF8E443-1A62-4073-99D6-737F20D3A126}" type="slidenum">
               <a:rPr lang="zh-CN" altLang="en-US" smtClean="0"/>
               <a:t>‹#›</a:t>
             </a:fld>
@@ -3003,7 +3003,7 @@
     </p:spTree>
     <p:extLst>
       <p:ext uri="{BB962C8B-B14F-4D97-AF65-F5344CB8AC3E}">
-        <p14:creationId xmlns:p14="http://schemas.microsoft.com/office/powerpoint/2010/main" val="711738529"/>
+        <p14:creationId xmlns:p14="http://schemas.microsoft.com/office/powerpoint/2010/main" val="2109747082"/>
       </p:ext>
     </p:extLst>
   </p:cSld>
